--- a/tests/test.pptx
+++ b/tests/test.pptx
@@ -107,6 +107,11 @@
       </a:defRPr>
     </a:lvl9pPr>
   </p:defaultTextStyle>
+  <p:extLst>
+    <p:ext uri="{EFAFB233-063F-42B5-8137-9DF3F51BA10A}">
+      <p15:sldGuideLst xmlns:p15="http://schemas.microsoft.com/office/powerpoint/2012/main"/>
+    </p:ext>
+  </p:extLst>
 </p:presentation>
 </file>
 
@@ -192,7 +197,7 @@
           <a:p>
             <a:fld id="{5837BF5E-4F2F-44EE-B380-9057E29D1A15}" type="datetimeFigureOut">
               <a:rPr lang="en-GB" smtClean="0"/>
-              <a:t>2024-06-26</a:t>
+              <a:t>2024-06-27</a:t>
             </a:fld>
             <a:endParaRPr lang="en-GB"/>
           </a:p>
@@ -506,8 +511,13 @@
           <a:p>
             <a:r>
               <a:rPr lang="en-US" dirty="0"/>
-              <a:t>Notes on first slides.</a:t>
-            </a:r>
+              <a:t>The note on the first line says: AI is very cool. AI is the future. </a:t>
+            </a:r>
+            <a:r>
+              <a:rPr lang="en-US"/>
+              <a:t>I love AI.</a:t>
+            </a:r>
+            <a:endParaRPr lang="en-US" dirty="0"/>
           </a:p>
           <a:p>
             <a:endParaRPr lang="en-US" dirty="0"/>
@@ -523,10 +533,10 @@
           </a:p>
           <a:p>
             <a:r>
-              <a:rPr lang="en-US"/>
+              <a:rPr lang="en-US" dirty="0"/>
               <a:t>Third line of notes.</a:t>
             </a:r>
-            <a:endParaRPr lang="en-GB"/>
+            <a:endParaRPr lang="en-GB" dirty="0"/>
           </a:p>
         </p:txBody>
       </p:sp>
@@ -715,7 +725,7 @@
           <a:p>
             <a:fld id="{97DB9602-4949-47FC-AA9A-6557B64A0433}" type="datetimeFigureOut">
               <a:rPr lang="en-GB" smtClean="0"/>
-              <a:t>2024-06-26</a:t>
+              <a:t>2024-06-27</a:t>
             </a:fld>
             <a:endParaRPr lang="en-GB"/>
           </a:p>
@@ -915,7 +925,7 @@
           <a:p>
             <a:fld id="{97DB9602-4949-47FC-AA9A-6557B64A0433}" type="datetimeFigureOut">
               <a:rPr lang="en-GB" smtClean="0"/>
-              <a:t>2024-06-26</a:t>
+              <a:t>2024-06-27</a:t>
             </a:fld>
             <a:endParaRPr lang="en-GB"/>
           </a:p>
@@ -1125,7 +1135,7 @@
           <a:p>
             <a:fld id="{97DB9602-4949-47FC-AA9A-6557B64A0433}" type="datetimeFigureOut">
               <a:rPr lang="en-GB" smtClean="0"/>
-              <a:t>2024-06-26</a:t>
+              <a:t>2024-06-27</a:t>
             </a:fld>
             <a:endParaRPr lang="en-GB"/>
           </a:p>
@@ -1325,7 +1335,7 @@
           <a:p>
             <a:fld id="{97DB9602-4949-47FC-AA9A-6557B64A0433}" type="datetimeFigureOut">
               <a:rPr lang="en-GB" smtClean="0"/>
-              <a:t>2024-06-26</a:t>
+              <a:t>2024-06-27</a:t>
             </a:fld>
             <a:endParaRPr lang="en-GB"/>
           </a:p>
@@ -1601,7 +1611,7 @@
           <a:p>
             <a:fld id="{97DB9602-4949-47FC-AA9A-6557B64A0433}" type="datetimeFigureOut">
               <a:rPr lang="en-GB" smtClean="0"/>
-              <a:t>2024-06-26</a:t>
+              <a:t>2024-06-27</a:t>
             </a:fld>
             <a:endParaRPr lang="en-GB"/>
           </a:p>
@@ -1869,7 +1879,7 @@
           <a:p>
             <a:fld id="{97DB9602-4949-47FC-AA9A-6557B64A0433}" type="datetimeFigureOut">
               <a:rPr lang="en-GB" smtClean="0"/>
-              <a:t>2024-06-26</a:t>
+              <a:t>2024-06-27</a:t>
             </a:fld>
             <a:endParaRPr lang="en-GB"/>
           </a:p>
@@ -2284,7 +2294,7 @@
           <a:p>
             <a:fld id="{97DB9602-4949-47FC-AA9A-6557B64A0433}" type="datetimeFigureOut">
               <a:rPr lang="en-GB" smtClean="0"/>
-              <a:t>2024-06-26</a:t>
+              <a:t>2024-06-27</a:t>
             </a:fld>
             <a:endParaRPr lang="en-GB"/>
           </a:p>
@@ -2426,7 +2436,7 @@
           <a:p>
             <a:fld id="{97DB9602-4949-47FC-AA9A-6557B64A0433}" type="datetimeFigureOut">
               <a:rPr lang="en-GB" smtClean="0"/>
-              <a:t>2024-06-26</a:t>
+              <a:t>2024-06-27</a:t>
             </a:fld>
             <a:endParaRPr lang="en-GB"/>
           </a:p>
@@ -2539,7 +2549,7 @@
           <a:p>
             <a:fld id="{97DB9602-4949-47FC-AA9A-6557B64A0433}" type="datetimeFigureOut">
               <a:rPr lang="en-GB" smtClean="0"/>
-              <a:t>2024-06-26</a:t>
+              <a:t>2024-06-27</a:t>
             </a:fld>
             <a:endParaRPr lang="en-GB"/>
           </a:p>
@@ -2852,7 +2862,7 @@
           <a:p>
             <a:fld id="{97DB9602-4949-47FC-AA9A-6557B64A0433}" type="datetimeFigureOut">
               <a:rPr lang="en-GB" smtClean="0"/>
-              <a:t>2024-06-26</a:t>
+              <a:t>2024-06-27</a:t>
             </a:fld>
             <a:endParaRPr lang="en-GB"/>
           </a:p>
@@ -3141,7 +3151,7 @@
           <a:p>
             <a:fld id="{97DB9602-4949-47FC-AA9A-6557B64A0433}" type="datetimeFigureOut">
               <a:rPr lang="en-GB" smtClean="0"/>
-              <a:t>2024-06-26</a:t>
+              <a:t>2024-06-27</a:t>
             </a:fld>
             <a:endParaRPr lang="en-GB"/>
           </a:p>
@@ -3384,7 +3394,7 @@
           <a:p>
             <a:fld id="{97DB9602-4949-47FC-AA9A-6557B64A0433}" type="datetimeFigureOut">
               <a:rPr lang="en-GB" smtClean="0"/>
-              <a:t>2024-06-26</a:t>
+              <a:t>2024-06-27</a:t>
             </a:fld>
             <a:endParaRPr lang="en-GB"/>
           </a:p>
